--- a/Hito3/Procesual Hito 3/Procesual Hito3.pptx
+++ b/Hito3/Procesual Hito 3/Procesual Hito3.pptx
@@ -15,11 +15,12 @@
     <p:sldId id="269" r:id="rId9"/>
     <p:sldId id="270" r:id="rId10"/>
     <p:sldId id="271" r:id="rId11"/>
-    <p:sldId id="257" r:id="rId12"/>
-    <p:sldId id="261" r:id="rId13"/>
-    <p:sldId id="262" r:id="rId14"/>
-    <p:sldId id="272" r:id="rId15"/>
-    <p:sldId id="273" r:id="rId16"/>
+    <p:sldId id="274" r:id="rId12"/>
+    <p:sldId id="257" r:id="rId13"/>
+    <p:sldId id="261" r:id="rId14"/>
+    <p:sldId id="262" r:id="rId15"/>
+    <p:sldId id="272" r:id="rId16"/>
+    <p:sldId id="273" r:id="rId17"/>
   </p:sldIdLst>
   <p:sldSz cx="12192000" cy="6858000"/>
   <p:notesSz cx="6858000" cy="9144000"/>
@@ -2552,15 +2553,86 @@
               </a:ext>
             </a:extLst>
           </a:blip>
+          <a:srcRect/>
+          <a:stretch/>
+        </p:blipFill>
+        <p:spPr>
+          <a:xfrm>
+            <a:off x="614113" y="2207820"/>
+            <a:ext cx="3260873" cy="4218146"/>
+          </a:xfrm>
+        </p:spPr>
+      </p:pic>
+      <p:pic>
+        <p:nvPicPr>
+          <p:cNvPr id="4" name="Imagen 3">
+            <a:extLst>
+              <a:ext uri="{FF2B5EF4-FFF2-40B4-BE49-F238E27FC236}">
+                <a16:creationId xmlns:a16="http://schemas.microsoft.com/office/drawing/2014/main" id="{7A1C3634-A395-40BF-9F66-05F3AB25D198}"/>
+              </a:ext>
+            </a:extLst>
+          </p:cNvPr>
+          <p:cNvPicPr>
+            <a:picLocks noChangeAspect="1"/>
+          </p:cNvPicPr>
+          <p:nvPr/>
+        </p:nvPicPr>
+        <p:blipFill>
+          <a:blip r:embed="rId3">
+            <a:extLst>
+              <a:ext uri="{28A0092B-C50C-407E-A947-70E740481C1C}">
+                <a14:useLocalDpi xmlns:a14="http://schemas.microsoft.com/office/drawing/2010/main" val="0"/>
+              </a:ext>
+            </a:extLst>
+          </a:blip>
           <a:stretch>
             <a:fillRect/>
           </a:stretch>
         </p:blipFill>
         <p:spPr>
           <a:xfrm>
-            <a:off x="484188" y="2845384"/>
-            <a:ext cx="8593137" cy="2923006"/>
+            <a:off x="3982808" y="2034329"/>
+            <a:ext cx="3340337" cy="4391637"/>
           </a:xfrm>
+          <a:prstGeom prst="rect">
+            <a:avLst/>
+          </a:prstGeom>
+        </p:spPr>
+      </p:pic>
+      <p:pic>
+        <p:nvPicPr>
+          <p:cNvPr id="7" name="Imagen 6">
+            <a:extLst>
+              <a:ext uri="{FF2B5EF4-FFF2-40B4-BE49-F238E27FC236}">
+                <a16:creationId xmlns:a16="http://schemas.microsoft.com/office/drawing/2014/main" id="{6FA5C0D7-0D6D-42BD-934A-00673D80843D}"/>
+              </a:ext>
+            </a:extLst>
+          </p:cNvPr>
+          <p:cNvPicPr>
+            <a:picLocks noChangeAspect="1"/>
+          </p:cNvPicPr>
+          <p:nvPr/>
+        </p:nvPicPr>
+        <p:blipFill>
+          <a:blip r:embed="rId4">
+            <a:extLst>
+              <a:ext uri="{28A0092B-C50C-407E-A947-70E740481C1C}">
+                <a14:useLocalDpi xmlns:a14="http://schemas.microsoft.com/office/drawing/2010/main" val="0"/>
+              </a:ext>
+            </a:extLst>
+          </a:blip>
+          <a:stretch>
+            <a:fillRect/>
+          </a:stretch>
+        </p:blipFill>
+        <p:spPr>
+          <a:xfrm>
+            <a:off x="7598432" y="2709557"/>
+            <a:ext cx="3892419" cy="2567118"/>
+          </a:xfrm>
+          <a:prstGeom prst="rect">
+            <a:avLst/>
+          </a:prstGeom>
         </p:spPr>
       </p:pic>
     </p:spTree>
@@ -2611,6 +2683,147 @@
         </p:nvSpPr>
         <p:spPr>
           <a:xfrm>
+            <a:off x="752893" y="257772"/>
+            <a:ext cx="8718278" cy="1755586"/>
+          </a:xfrm>
+        </p:spPr>
+        <p:txBody>
+          <a:bodyPr/>
+          <a:lstStyle/>
+          <a:p>
+            <a:r>
+              <a:rPr lang="es-ES" dirty="0">
+                <a:solidFill>
+                  <a:srgbClr val="FFFF00"/>
+                </a:solidFill>
+              </a:rPr>
+              <a:t>10. A través de un gráfico, muestre los métodos mínimos que debería de tener una PILA.</a:t>
+            </a:r>
+            <a:endParaRPr lang="es-BO" dirty="0">
+              <a:solidFill>
+                <a:srgbClr val="FFFF00"/>
+              </a:solidFill>
+            </a:endParaRPr>
+          </a:p>
+        </p:txBody>
+      </p:sp>
+      <p:pic>
+        <p:nvPicPr>
+          <p:cNvPr id="5" name="Marcador de contenido 4">
+            <a:extLst>
+              <a:ext uri="{FF2B5EF4-FFF2-40B4-BE49-F238E27FC236}">
+                <a16:creationId xmlns:a16="http://schemas.microsoft.com/office/drawing/2014/main" id="{94B1B432-93AA-4D9E-8663-BA2AF617E972}"/>
+              </a:ext>
+            </a:extLst>
+          </p:cNvPr>
+          <p:cNvPicPr>
+            <a:picLocks noGrp="1" noChangeAspect="1"/>
+          </p:cNvPicPr>
+          <p:nvPr>
+            <p:ph idx="1"/>
+          </p:nvPr>
+        </p:nvPicPr>
+        <p:blipFill>
+          <a:blip r:embed="rId2">
+            <a:extLst>
+              <a:ext uri="{28A0092B-C50C-407E-A947-70E740481C1C}">
+                <a14:useLocalDpi xmlns:a14="http://schemas.microsoft.com/office/drawing/2010/main" val="0"/>
+              </a:ext>
+            </a:extLst>
+          </a:blip>
+          <a:srcRect/>
+          <a:stretch/>
+        </p:blipFill>
+        <p:spPr>
+          <a:xfrm>
+            <a:off x="137625" y="2354167"/>
+            <a:ext cx="3830367" cy="4230992"/>
+          </a:xfrm>
+        </p:spPr>
+      </p:pic>
+      <p:pic>
+        <p:nvPicPr>
+          <p:cNvPr id="4" name="Imagen 3">
+            <a:extLst>
+              <a:ext uri="{FF2B5EF4-FFF2-40B4-BE49-F238E27FC236}">
+                <a16:creationId xmlns:a16="http://schemas.microsoft.com/office/drawing/2014/main" id="{7A1C3634-A395-40BF-9F66-05F3AB25D198}"/>
+              </a:ext>
+            </a:extLst>
+          </p:cNvPr>
+          <p:cNvPicPr>
+            <a:picLocks noChangeAspect="1"/>
+          </p:cNvPicPr>
+          <p:nvPr/>
+        </p:nvPicPr>
+        <p:blipFill>
+          <a:blip r:embed="rId3">
+            <a:extLst>
+              <a:ext uri="{28A0092B-C50C-407E-A947-70E740481C1C}">
+                <a14:useLocalDpi xmlns:a14="http://schemas.microsoft.com/office/drawing/2010/main" val="0"/>
+              </a:ext>
+            </a:extLst>
+          </a:blip>
+          <a:srcRect/>
+          <a:stretch/>
+        </p:blipFill>
+        <p:spPr>
+          <a:xfrm>
+            <a:off x="4742916" y="2025101"/>
+            <a:ext cx="3637685" cy="4575127"/>
+          </a:xfrm>
+          <a:prstGeom prst="rect">
+            <a:avLst/>
+          </a:prstGeom>
+        </p:spPr>
+      </p:pic>
+    </p:spTree>
+    <p:extLst>
+      <p:ext uri="{BB962C8B-B14F-4D97-AF65-F5344CB8AC3E}">
+        <p14:creationId xmlns:p14="http://schemas.microsoft.com/office/powerpoint/2010/main" val="2095500891"/>
+      </p:ext>
+    </p:extLst>
+  </p:cSld>
+  <p:clrMapOvr>
+    <a:masterClrMapping/>
+  </p:clrMapOvr>
+</p:sld>
+</file>
+
+<file path=ppt/slides/slide12.xml><?xml version="1.0" encoding="utf-8"?>
+<p:sld xmlns:a="http://schemas.openxmlformats.org/drawingml/2006/main" xmlns:r="http://schemas.openxmlformats.org/officeDocument/2006/relationships" xmlns:p="http://schemas.openxmlformats.org/presentationml/2006/main">
+  <p:cSld>
+    <p:spTree>
+      <p:nvGrpSpPr>
+        <p:cNvPr id="1" name=""/>
+        <p:cNvGrpSpPr/>
+        <p:nvPr/>
+      </p:nvGrpSpPr>
+      <p:grpSpPr>
+        <a:xfrm>
+          <a:off x="0" y="0"/>
+          <a:ext cx="0" cy="0"/>
+          <a:chOff x="0" y="0"/>
+          <a:chExt cx="0" cy="0"/>
+        </a:xfrm>
+      </p:grpSpPr>
+      <p:sp>
+        <p:nvSpPr>
+          <p:cNvPr id="2" name="Título 1">
+            <a:extLst>
+              <a:ext uri="{FF2B5EF4-FFF2-40B4-BE49-F238E27FC236}">
+                <a16:creationId xmlns:a16="http://schemas.microsoft.com/office/drawing/2014/main" id="{FBD37278-B0E9-4A3B-9BD4-AE96935FE923}"/>
+              </a:ext>
+            </a:extLst>
+          </p:cNvPr>
+          <p:cNvSpPr>
+            <a:spLocks noGrp="1"/>
+          </p:cNvSpPr>
+          <p:nvPr>
+            <p:ph type="title"/>
+          </p:nvPr>
+        </p:nvSpPr>
+        <p:spPr>
+          <a:xfrm>
             <a:off x="552323" y="249384"/>
             <a:ext cx="9313333" cy="1319358"/>
           </a:xfrm>
@@ -2674,7 +2887,7 @@
 </p:sld>
 </file>
 
-<file path=ppt/slides/slide12.xml><?xml version="1.0" encoding="utf-8"?>
+<file path=ppt/slides/slide13.xml><?xml version="1.0" encoding="utf-8"?>
 <p:sld xmlns:a="http://schemas.openxmlformats.org/drawingml/2006/main" xmlns:r="http://schemas.openxmlformats.org/officeDocument/2006/relationships" xmlns:p="http://schemas.openxmlformats.org/presentationml/2006/main">
   <p:cSld>
     <p:spTree>
@@ -2772,7 +2985,7 @@
 </p:sld>
 </file>
 
-<file path=ppt/slides/slide13.xml><?xml version="1.0" encoding="utf-8"?>
+<file path=ppt/slides/slide14.xml><?xml version="1.0" encoding="utf-8"?>
 <p:sld xmlns:a="http://schemas.openxmlformats.org/drawingml/2006/main" xmlns:r="http://schemas.openxmlformats.org/officeDocument/2006/relationships" xmlns:p="http://schemas.openxmlformats.org/presentationml/2006/main">
   <p:cSld>
     <p:spTree>
@@ -2878,7 +3091,7 @@
 </p:sld>
 </file>
 
-<file path=ppt/slides/slide14.xml><?xml version="1.0" encoding="utf-8"?>
+<file path=ppt/slides/slide15.xml><?xml version="1.0" encoding="utf-8"?>
 <p:sld xmlns:a="http://schemas.openxmlformats.org/drawingml/2006/main" xmlns:r="http://schemas.openxmlformats.org/officeDocument/2006/relationships" xmlns:p="http://schemas.openxmlformats.org/presentationml/2006/main">
   <p:cSld>
     <p:spTree>
@@ -3015,7 +3228,7 @@
 </p:sld>
 </file>
 
-<file path=ppt/slides/slide15.xml><?xml version="1.0" encoding="utf-8"?>
+<file path=ppt/slides/slide16.xml><?xml version="1.0" encoding="utf-8"?>
 <p:sld xmlns:a="http://schemas.openxmlformats.org/drawingml/2006/main" xmlns:r="http://schemas.openxmlformats.org/officeDocument/2006/relationships" xmlns:p="http://schemas.openxmlformats.org/presentationml/2006/main">
   <p:cSld>
     <p:spTree>
